--- a/Burndown & Velocity/Cycle 4/V4.5.1 [2022-03-05] Burndown Velocity Sprint 4-5.pptx
+++ b/Burndown & Velocity/Cycle 4/V4.5.1 [2022-03-05] Burndown Velocity Sprint 4-5.pptx
@@ -448,13 +448,13 @@
                 <c:formatCode>General</c:formatCode>
                 <c:ptCount val="7"/>
                 <c:pt idx="0">
-                  <c:v>165</c:v>
+                  <c:v>223</c:v>
                 </c:pt>
                 <c:pt idx="1">
-                  <c:v>165</c:v>
+                  <c:v>223</c:v>
                 </c:pt>
                 <c:pt idx="2">
-                  <c:v>165</c:v>
+                  <c:v>223</c:v>
                 </c:pt>
                 <c:pt idx="3">
                   <c:v>65</c:v>
@@ -742,13 +742,13 @@
                 <c:formatCode>General</c:formatCode>
                 <c:ptCount val="7"/>
                 <c:pt idx="0">
-                  <c:v>165</c:v>
+                  <c:v>223</c:v>
                 </c:pt>
                 <c:pt idx="1">
-                  <c:v>165</c:v>
+                  <c:v>223</c:v>
                 </c:pt>
                 <c:pt idx="2">
-                  <c:v>165</c:v>
+                  <c:v>223</c:v>
                 </c:pt>
                 <c:pt idx="3">
                   <c:v>63</c:v>
@@ -2878,7 +2878,7 @@
           <a:p>
             <a:fld id="{12C3E8BB-F70B-41C7-A2C4-69BE80B44BDC}" type="datetimeFigureOut">
               <a:rPr lang="th-TH" smtClean="0"/>
-              <a:t>05/03/65</a:t>
+              <a:t>12/03/65</a:t>
             </a:fld>
             <a:endParaRPr lang="th-TH"/>
           </a:p>
@@ -3076,7 +3076,7 @@
           <a:p>
             <a:fld id="{12C3E8BB-F70B-41C7-A2C4-69BE80B44BDC}" type="datetimeFigureOut">
               <a:rPr lang="th-TH" smtClean="0"/>
-              <a:t>05/03/65</a:t>
+              <a:t>12/03/65</a:t>
             </a:fld>
             <a:endParaRPr lang="th-TH"/>
           </a:p>
@@ -3284,7 +3284,7 @@
           <a:p>
             <a:fld id="{12C3E8BB-F70B-41C7-A2C4-69BE80B44BDC}" type="datetimeFigureOut">
               <a:rPr lang="th-TH" smtClean="0"/>
-              <a:t>05/03/65</a:t>
+              <a:t>12/03/65</a:t>
             </a:fld>
             <a:endParaRPr lang="th-TH"/>
           </a:p>
@@ -3482,7 +3482,7 @@
           <a:p>
             <a:fld id="{12C3E8BB-F70B-41C7-A2C4-69BE80B44BDC}" type="datetimeFigureOut">
               <a:rPr lang="th-TH" smtClean="0"/>
-              <a:t>05/03/65</a:t>
+              <a:t>12/03/65</a:t>
             </a:fld>
             <a:endParaRPr lang="th-TH"/>
           </a:p>
@@ -3757,7 +3757,7 @@
           <a:p>
             <a:fld id="{12C3E8BB-F70B-41C7-A2C4-69BE80B44BDC}" type="datetimeFigureOut">
               <a:rPr lang="th-TH" smtClean="0"/>
-              <a:t>05/03/65</a:t>
+              <a:t>12/03/65</a:t>
             </a:fld>
             <a:endParaRPr lang="th-TH"/>
           </a:p>
@@ -4022,7 +4022,7 @@
           <a:p>
             <a:fld id="{12C3E8BB-F70B-41C7-A2C4-69BE80B44BDC}" type="datetimeFigureOut">
               <a:rPr lang="th-TH" smtClean="0"/>
-              <a:t>05/03/65</a:t>
+              <a:t>12/03/65</a:t>
             </a:fld>
             <a:endParaRPr lang="th-TH"/>
           </a:p>
@@ -4434,7 +4434,7 @@
           <a:p>
             <a:fld id="{12C3E8BB-F70B-41C7-A2C4-69BE80B44BDC}" type="datetimeFigureOut">
               <a:rPr lang="th-TH" smtClean="0"/>
-              <a:t>05/03/65</a:t>
+              <a:t>12/03/65</a:t>
             </a:fld>
             <a:endParaRPr lang="th-TH"/>
           </a:p>
@@ -4575,7 +4575,7 @@
           <a:p>
             <a:fld id="{12C3E8BB-F70B-41C7-A2C4-69BE80B44BDC}" type="datetimeFigureOut">
               <a:rPr lang="th-TH" smtClean="0"/>
-              <a:t>05/03/65</a:t>
+              <a:t>12/03/65</a:t>
             </a:fld>
             <a:endParaRPr lang="th-TH"/>
           </a:p>
@@ -4688,7 +4688,7 @@
           <a:p>
             <a:fld id="{12C3E8BB-F70B-41C7-A2C4-69BE80B44BDC}" type="datetimeFigureOut">
               <a:rPr lang="th-TH" smtClean="0"/>
-              <a:t>05/03/65</a:t>
+              <a:t>12/03/65</a:t>
             </a:fld>
             <a:endParaRPr lang="th-TH"/>
           </a:p>
@@ -4999,7 +4999,7 @@
           <a:p>
             <a:fld id="{12C3E8BB-F70B-41C7-A2C4-69BE80B44BDC}" type="datetimeFigureOut">
               <a:rPr lang="th-TH" smtClean="0"/>
-              <a:t>05/03/65</a:t>
+              <a:t>12/03/65</a:t>
             </a:fld>
             <a:endParaRPr lang="th-TH"/>
           </a:p>
@@ -5287,7 +5287,7 @@
           <a:p>
             <a:fld id="{12C3E8BB-F70B-41C7-A2C4-69BE80B44BDC}" type="datetimeFigureOut">
               <a:rPr lang="th-TH" smtClean="0"/>
-              <a:t>05/03/65</a:t>
+              <a:t>12/03/65</a:t>
             </a:fld>
             <a:endParaRPr lang="th-TH"/>
           </a:p>
@@ -5528,7 +5528,7 @@
           <a:p>
             <a:fld id="{12C3E8BB-F70B-41C7-A2C4-69BE80B44BDC}" type="datetimeFigureOut">
               <a:rPr lang="th-TH" smtClean="0"/>
-              <a:t>05/03/65</a:t>
+              <a:t>12/03/65</a:t>
             </a:fld>
             <a:endParaRPr lang="th-TH"/>
           </a:p>
@@ -5958,7 +5958,7 @@
           <p:nvPr>
             <p:extLst>
               <p:ext uri="{D42A27DB-BD31-4B8C-83A1-F6EECF244321}">
-                <p14:modId xmlns:p14="http://schemas.microsoft.com/office/powerpoint/2010/main" val="2311135596"/>
+                <p14:modId xmlns:p14="http://schemas.microsoft.com/office/powerpoint/2010/main" val="4275473049"/>
               </p:ext>
             </p:extLst>
           </p:nvPr>

--- a/Burndown & Velocity/Cycle 4/V4.5.1 [2022-03-05] Burndown Velocity Sprint 4-5.pptx
+++ b/Burndown & Velocity/Cycle 4/V4.5.1 [2022-03-05] Burndown Velocity Sprint 4-5.pptx
@@ -358,6 +358,72 @@
                 </c:ext>
               </c:extLst>
             </c:dLbl>
+            <c:dLbl>
+              <c:idx val="3"/>
+              <c:layout>
+                <c:manualLayout>
+                  <c:x val="-4.0628937007874018E-2"/>
+                  <c:y val="2.585746642116955E-2"/>
+                </c:manualLayout>
+              </c:layout>
+              <c:dLblPos val="r"/>
+              <c:showLegendKey val="0"/>
+              <c:showVal val="1"/>
+              <c:showCatName val="0"/>
+              <c:showSerName val="0"/>
+              <c:showPercent val="0"/>
+              <c:showBubbleSize val="0"/>
+              <c:extLst>
+                <c:ext xmlns:c15="http://schemas.microsoft.com/office/drawing/2012/chart" uri="{CE6537A1-D6FC-4f65-9D91-7224C49458BB}"/>
+                <c:ext xmlns:c16="http://schemas.microsoft.com/office/drawing/2014/chart" uri="{C3380CC4-5D6E-409C-BE32-E72D297353CC}">
+                  <c16:uniqueId val="{00000003-745E-477A-BFB5-1859885C20F7}"/>
+                </c:ext>
+              </c:extLst>
+            </c:dLbl>
+            <c:dLbl>
+              <c:idx val="4"/>
+              <c:layout>
+                <c:manualLayout>
+                  <c:x val="-2.9429749015748147E-2"/>
+                  <c:y val="2.3513716565347158E-2"/>
+                </c:manualLayout>
+              </c:layout>
+              <c:dLblPos val="r"/>
+              <c:showLegendKey val="0"/>
+              <c:showVal val="1"/>
+              <c:showCatName val="0"/>
+              <c:showSerName val="0"/>
+              <c:showPercent val="0"/>
+              <c:showBubbleSize val="0"/>
+              <c:extLst>
+                <c:ext xmlns:c15="http://schemas.microsoft.com/office/drawing/2012/chart" uri="{CE6537A1-D6FC-4f65-9D91-7224C49458BB}"/>
+                <c:ext xmlns:c16="http://schemas.microsoft.com/office/drawing/2014/chart" uri="{C3380CC4-5D6E-409C-BE32-E72D297353CC}">
+                  <c16:uniqueId val="{00000002-745E-477A-BFB5-1859885C20F7}"/>
+                </c:ext>
+              </c:extLst>
+            </c:dLbl>
+            <c:dLbl>
+              <c:idx val="5"/>
+              <c:layout>
+                <c:manualLayout>
+                  <c:x val="-2.9168061023622162E-2"/>
+                  <c:y val="1.1794967286234788E-2"/>
+                </c:manualLayout>
+              </c:layout>
+              <c:dLblPos val="r"/>
+              <c:showLegendKey val="0"/>
+              <c:showVal val="1"/>
+              <c:showCatName val="0"/>
+              <c:showSerName val="0"/>
+              <c:showPercent val="0"/>
+              <c:showBubbleSize val="0"/>
+              <c:extLst>
+                <c:ext xmlns:c15="http://schemas.microsoft.com/office/drawing/2012/chart" uri="{CE6537A1-D6FC-4f65-9D91-7224C49458BB}"/>
+                <c:ext xmlns:c16="http://schemas.microsoft.com/office/drawing/2014/chart" uri="{C3380CC4-5D6E-409C-BE32-E72D297353CC}">
+                  <c16:uniqueId val="{00000001-745E-477A-BFB5-1859885C20F7}"/>
+                </c:ext>
+              </c:extLst>
+            </c:dLbl>
             <c:spPr>
               <a:noFill/>
               <a:ln>
@@ -414,9 +480,9 @@
           </c:dLbls>
           <c:cat>
             <c:strRef>
-              <c:f>Sheet1!$A$2:$A$8</c:f>
+              <c:f>Sheet1!$A$2:$A$7</c:f>
               <c:strCache>
-                <c:ptCount val="7"/>
+                <c:ptCount val="6"/>
                 <c:pt idx="0">
                   <c:v>Start</c:v>
                 </c:pt>
@@ -435,18 +501,15 @@
                 <c:pt idx="5">
                   <c:v>Sprint 4/5</c:v>
                 </c:pt>
-                <c:pt idx="6">
-                  <c:v>Finish</c:v>
-                </c:pt>
               </c:strCache>
             </c:strRef>
           </c:cat>
           <c:val>
             <c:numRef>
-              <c:f>Sheet1!$B$2:$B$8</c:f>
+              <c:f>Sheet1!$B$2:$B$7</c:f>
               <c:numCache>
                 <c:formatCode>General</c:formatCode>
-                <c:ptCount val="7"/>
+                <c:ptCount val="6"/>
                 <c:pt idx="0">
                   <c:v>223</c:v>
                 </c:pt>
@@ -457,15 +520,12 @@
                   <c:v>223</c:v>
                 </c:pt>
                 <c:pt idx="3">
-                  <c:v>65</c:v>
+                  <c:v>158</c:v>
                 </c:pt>
                 <c:pt idx="4">
-                  <c:v>100</c:v>
+                  <c:v>58</c:v>
                 </c:pt>
                 <c:pt idx="5">
-                  <c:v>58</c:v>
-                </c:pt>
-                <c:pt idx="6">
                   <c:v>0</c:v>
                 </c:pt>
               </c:numCache>
@@ -587,8 +647,8 @@
               <c:idx val="3"/>
               <c:layout>
                 <c:manualLayout>
-                  <c:x val="-4.5316437007874071E-2"/>
-                  <c:y val="3.0544966132814582E-2"/>
+                  <c:x val="1.5585629921259843E-3"/>
+                  <c:y val="-2.1017530695279854E-2"/>
                 </c:manualLayout>
               </c:layout>
               <c:dLblPos val="r"/>
@@ -609,8 +669,8 @@
               <c:idx val="4"/>
               <c:layout>
                 <c:manualLayout>
-                  <c:x val="-1.8753937007874016E-2"/>
-                  <c:y val="4.6951215123571907E-2"/>
+                  <c:x val="-6.2539370078741304E-3"/>
+                  <c:y val="-2.570503040692489E-2"/>
                 </c:manualLayout>
               </c:layout>
               <c:dLblPos val="r"/>
@@ -631,8 +691,8 @@
               <c:idx val="5"/>
               <c:layout>
                 <c:manualLayout>
-                  <c:x val="-3.5679749015748032E-2"/>
-                  <c:y val="1.4138717142057262E-2"/>
+                  <c:x val="-1.2242249015748032E-2"/>
+                  <c:y val="-2.3361280551102329E-2"/>
                 </c:manualLayout>
               </c:layout>
               <c:dLblPos val="r"/>
@@ -708,9 +768,9 @@
           </c:dLbls>
           <c:cat>
             <c:strRef>
-              <c:f>Sheet1!$A$2:$A$8</c:f>
+              <c:f>Sheet1!$A$2:$A$7</c:f>
               <c:strCache>
-                <c:ptCount val="7"/>
+                <c:ptCount val="6"/>
                 <c:pt idx="0">
                   <c:v>Start</c:v>
                 </c:pt>
@@ -729,18 +789,15 @@
                 <c:pt idx="5">
                   <c:v>Sprint 4/5</c:v>
                 </c:pt>
-                <c:pt idx="6">
-                  <c:v>Finish</c:v>
-                </c:pt>
               </c:strCache>
             </c:strRef>
           </c:cat>
           <c:val>
             <c:numRef>
-              <c:f>Sheet1!$C$2:$C$8</c:f>
+              <c:f>Sheet1!$C$2:$C$7</c:f>
               <c:numCache>
                 <c:formatCode>General</c:formatCode>
-                <c:ptCount val="7"/>
+                <c:ptCount val="6"/>
                 <c:pt idx="0">
                   <c:v>223</c:v>
                 </c:pt>
@@ -751,15 +808,12 @@
                   <c:v>223</c:v>
                 </c:pt>
                 <c:pt idx="3">
-                  <c:v>63</c:v>
+                  <c:v>160</c:v>
                 </c:pt>
                 <c:pt idx="4">
-                  <c:v>88</c:v>
+                  <c:v>72</c:v>
                 </c:pt>
                 <c:pt idx="5">
-                  <c:v>56</c:v>
-                </c:pt>
-                <c:pt idx="6">
                   <c:v>16</c:v>
                 </c:pt>
               </c:numCache>
@@ -1168,6 +1222,27 @@
                 <c:ext xmlns:c15="http://schemas.microsoft.com/office/drawing/2012/chart" uri="{CE6537A1-D6FC-4f65-9D91-7224C49458BB}"/>
                 <c:ext xmlns:c16="http://schemas.microsoft.com/office/drawing/2014/chart" uri="{C3380CC4-5D6E-409C-BE32-E72D297353CC}">
                   <c16:uniqueId val="{00000001-F3CA-4034-882B-9A4292843348}"/>
+                </c:ext>
+              </c:extLst>
+            </c:dLbl>
+            <c:dLbl>
+              <c:idx val="4"/>
+              <c:layout>
+                <c:manualLayout>
+                  <c:x val="-7.8125E-3"/>
+                  <c:y val="-2.8124998269869694E-2"/>
+                </c:manualLayout>
+              </c:layout>
+              <c:showLegendKey val="0"/>
+              <c:showVal val="1"/>
+              <c:showCatName val="0"/>
+              <c:showSerName val="0"/>
+              <c:showPercent val="0"/>
+              <c:showBubbleSize val="0"/>
+              <c:extLst>
+                <c:ext xmlns:c15="http://schemas.microsoft.com/office/drawing/2012/chart" uri="{CE6537A1-D6FC-4f65-9D91-7224C49458BB}"/>
+                <c:ext xmlns:c16="http://schemas.microsoft.com/office/drawing/2014/chart" uri="{C3380CC4-5D6E-409C-BE32-E72D297353CC}">
+                  <c16:uniqueId val="{00000001-A257-4FA3-81B8-E1C0E9153D89}"/>
                 </c:ext>
               </c:extLst>
             </c:dLbl>
@@ -1336,6 +1411,28 @@
                 <c:ext xmlns:c15="http://schemas.microsoft.com/office/drawing/2012/chart" uri="{CE6537A1-D6FC-4f65-9D91-7224C49458BB}"/>
                 <c:ext xmlns:c16="http://schemas.microsoft.com/office/drawing/2014/chart" uri="{C3380CC4-5D6E-409C-BE32-E72D297353CC}">
                   <c16:uniqueId val="{00000001-3B41-4507-AFF3-819D323FC5A1}"/>
+                </c:ext>
+              </c:extLst>
+            </c:dLbl>
+            <c:dLbl>
+              <c:idx val="4"/>
+              <c:layout>
+                <c:manualLayout>
+                  <c:x val="-2.1617249015748147E-2"/>
+                  <c:y val="3.0544966132814582E-2"/>
+                </c:manualLayout>
+              </c:layout>
+              <c:dLblPos val="r"/>
+              <c:showLegendKey val="0"/>
+              <c:showVal val="1"/>
+              <c:showCatName val="0"/>
+              <c:showSerName val="0"/>
+              <c:showPercent val="0"/>
+              <c:showBubbleSize val="0"/>
+              <c:extLst>
+                <c:ext xmlns:c15="http://schemas.microsoft.com/office/drawing/2012/chart" uri="{CE6537A1-D6FC-4f65-9D91-7224C49458BB}"/>
+                <c:ext xmlns:c16="http://schemas.microsoft.com/office/drawing/2014/chart" uri="{C3380CC4-5D6E-409C-BE32-E72D297353CC}">
+                  <c16:uniqueId val="{00000000-A257-4FA3-81B8-E1C0E9153D89}"/>
                 </c:ext>
               </c:extLst>
             </c:dLbl>
@@ -2878,7 +2975,7 @@
           <a:p>
             <a:fld id="{12C3E8BB-F70B-41C7-A2C4-69BE80B44BDC}" type="datetimeFigureOut">
               <a:rPr lang="th-TH" smtClean="0"/>
-              <a:t>12/03/65</a:t>
+              <a:t>19/03/65</a:t>
             </a:fld>
             <a:endParaRPr lang="th-TH"/>
           </a:p>
@@ -3076,7 +3173,7 @@
           <a:p>
             <a:fld id="{12C3E8BB-F70B-41C7-A2C4-69BE80B44BDC}" type="datetimeFigureOut">
               <a:rPr lang="th-TH" smtClean="0"/>
-              <a:t>12/03/65</a:t>
+              <a:t>19/03/65</a:t>
             </a:fld>
             <a:endParaRPr lang="th-TH"/>
           </a:p>
@@ -3284,7 +3381,7 @@
           <a:p>
             <a:fld id="{12C3E8BB-F70B-41C7-A2C4-69BE80B44BDC}" type="datetimeFigureOut">
               <a:rPr lang="th-TH" smtClean="0"/>
-              <a:t>12/03/65</a:t>
+              <a:t>19/03/65</a:t>
             </a:fld>
             <a:endParaRPr lang="th-TH"/>
           </a:p>
@@ -3482,7 +3579,7 @@
           <a:p>
             <a:fld id="{12C3E8BB-F70B-41C7-A2C4-69BE80B44BDC}" type="datetimeFigureOut">
               <a:rPr lang="th-TH" smtClean="0"/>
-              <a:t>12/03/65</a:t>
+              <a:t>19/03/65</a:t>
             </a:fld>
             <a:endParaRPr lang="th-TH"/>
           </a:p>
@@ -3757,7 +3854,7 @@
           <a:p>
             <a:fld id="{12C3E8BB-F70B-41C7-A2C4-69BE80B44BDC}" type="datetimeFigureOut">
               <a:rPr lang="th-TH" smtClean="0"/>
-              <a:t>12/03/65</a:t>
+              <a:t>19/03/65</a:t>
             </a:fld>
             <a:endParaRPr lang="th-TH"/>
           </a:p>
@@ -4022,7 +4119,7 @@
           <a:p>
             <a:fld id="{12C3E8BB-F70B-41C7-A2C4-69BE80B44BDC}" type="datetimeFigureOut">
               <a:rPr lang="th-TH" smtClean="0"/>
-              <a:t>12/03/65</a:t>
+              <a:t>19/03/65</a:t>
             </a:fld>
             <a:endParaRPr lang="th-TH"/>
           </a:p>
@@ -4434,7 +4531,7 @@
           <a:p>
             <a:fld id="{12C3E8BB-F70B-41C7-A2C4-69BE80B44BDC}" type="datetimeFigureOut">
               <a:rPr lang="th-TH" smtClean="0"/>
-              <a:t>12/03/65</a:t>
+              <a:t>19/03/65</a:t>
             </a:fld>
             <a:endParaRPr lang="th-TH"/>
           </a:p>
@@ -4575,7 +4672,7 @@
           <a:p>
             <a:fld id="{12C3E8BB-F70B-41C7-A2C4-69BE80B44BDC}" type="datetimeFigureOut">
               <a:rPr lang="th-TH" smtClean="0"/>
-              <a:t>12/03/65</a:t>
+              <a:t>19/03/65</a:t>
             </a:fld>
             <a:endParaRPr lang="th-TH"/>
           </a:p>
@@ -4688,7 +4785,7 @@
           <a:p>
             <a:fld id="{12C3E8BB-F70B-41C7-A2C4-69BE80B44BDC}" type="datetimeFigureOut">
               <a:rPr lang="th-TH" smtClean="0"/>
-              <a:t>12/03/65</a:t>
+              <a:t>19/03/65</a:t>
             </a:fld>
             <a:endParaRPr lang="th-TH"/>
           </a:p>
@@ -4999,7 +5096,7 @@
           <a:p>
             <a:fld id="{12C3E8BB-F70B-41C7-A2C4-69BE80B44BDC}" type="datetimeFigureOut">
               <a:rPr lang="th-TH" smtClean="0"/>
-              <a:t>12/03/65</a:t>
+              <a:t>19/03/65</a:t>
             </a:fld>
             <a:endParaRPr lang="th-TH"/>
           </a:p>
@@ -5287,7 +5384,7 @@
           <a:p>
             <a:fld id="{12C3E8BB-F70B-41C7-A2C4-69BE80B44BDC}" type="datetimeFigureOut">
               <a:rPr lang="th-TH" smtClean="0"/>
-              <a:t>12/03/65</a:t>
+              <a:t>19/03/65</a:t>
             </a:fld>
             <a:endParaRPr lang="th-TH"/>
           </a:p>
@@ -5528,7 +5625,7 @@
           <a:p>
             <a:fld id="{12C3E8BB-F70B-41C7-A2C4-69BE80B44BDC}" type="datetimeFigureOut">
               <a:rPr lang="th-TH" smtClean="0"/>
-              <a:t>12/03/65</a:t>
+              <a:t>19/03/65</a:t>
             </a:fld>
             <a:endParaRPr lang="th-TH"/>
           </a:p>
@@ -5958,7 +6055,7 @@
           <p:nvPr>
             <p:extLst>
               <p:ext uri="{D42A27DB-BD31-4B8C-83A1-F6EECF244321}">
-                <p14:modId xmlns:p14="http://schemas.microsoft.com/office/powerpoint/2010/main" val="4275473049"/>
+                <p14:modId xmlns:p14="http://schemas.microsoft.com/office/powerpoint/2010/main" val="2267920117"/>
               </p:ext>
             </p:extLst>
           </p:nvPr>
@@ -6016,7 +6113,7 @@
           <p:nvPr>
             <p:extLst>
               <p:ext uri="{D42A27DB-BD31-4B8C-83A1-F6EECF244321}">
-                <p14:modId xmlns:p14="http://schemas.microsoft.com/office/powerpoint/2010/main" val="2462436936"/>
+                <p14:modId xmlns:p14="http://schemas.microsoft.com/office/powerpoint/2010/main" val="778608724"/>
               </p:ext>
             </p:extLst>
           </p:nvPr>
